--- a/ppt 16-9/0667.他是我友.pptx
+++ b/ppt 16-9/0667.他是我友.pptx
@@ -129,7 +129,7 @@
           <p:cNvPr id="2" name="标题 1">
             <a:extLst>
               <a:ext uri="{FF2B5EF4-FFF2-40B4-BE49-F238E27FC236}">
-                <a16:creationId xmlns:a16="http://schemas.microsoft.com/office/drawing/2014/main" id="{1EA481B4-2B1E-C637-08E6-881077543A53}"/>
+                <a16:creationId xmlns:a16="http://schemas.microsoft.com/office/drawing/2014/main" id="{D8CB6D3F-06AB-75B8-C7BB-07A99FB52B58}"/>
               </a:ext>
             </a:extLst>
           </p:cNvPr>
@@ -166,7 +166,7 @@
           <p:cNvPr id="3" name="副标题 2">
             <a:extLst>
               <a:ext uri="{FF2B5EF4-FFF2-40B4-BE49-F238E27FC236}">
-                <a16:creationId xmlns:a16="http://schemas.microsoft.com/office/drawing/2014/main" id="{491E2E12-FAFA-2EDA-B6C5-3DE118D60D8A}"/>
+                <a16:creationId xmlns:a16="http://schemas.microsoft.com/office/drawing/2014/main" id="{09B3A7C5-FE51-7D2A-0C4A-5CFBA5D7AB0A}"/>
               </a:ext>
             </a:extLst>
           </p:cNvPr>
@@ -236,7 +236,7 @@
           <p:cNvPr id="4" name="日期占位符 3">
             <a:extLst>
               <a:ext uri="{FF2B5EF4-FFF2-40B4-BE49-F238E27FC236}">
-                <a16:creationId xmlns:a16="http://schemas.microsoft.com/office/drawing/2014/main" id="{55A00AD0-E697-7752-D97A-36CDE10902DC}"/>
+                <a16:creationId xmlns:a16="http://schemas.microsoft.com/office/drawing/2014/main" id="{EFD042C8-1468-9F98-A7FA-C79C232D6CC5}"/>
               </a:ext>
             </a:extLst>
           </p:cNvPr>
@@ -252,7 +252,7 @@
           <a:bodyPr/>
           <a:lstStyle/>
           <a:p>
-            <a:fld id="{0F667C32-8721-4A02-B607-54760A80A51A}" type="datetimeFigureOut">
+            <a:fld id="{DB1229E9-2C91-493B-BB33-A2C91C01FF3C}" type="datetimeFigureOut">
               <a:rPr lang="zh-CN" altLang="en-US" smtClean="0"/>
               <a:t>2024/3/10</a:t>
             </a:fld>
@@ -265,7 +265,7 @@
           <p:cNvPr id="5" name="页脚占位符 4">
             <a:extLst>
               <a:ext uri="{FF2B5EF4-FFF2-40B4-BE49-F238E27FC236}">
-                <a16:creationId xmlns:a16="http://schemas.microsoft.com/office/drawing/2014/main" id="{66222764-D9C2-83D0-5C48-0C53A2433EC6}"/>
+                <a16:creationId xmlns:a16="http://schemas.microsoft.com/office/drawing/2014/main" id="{89DCC957-00F7-9BE9-AAC3-8611EAAAF14E}"/>
               </a:ext>
             </a:extLst>
           </p:cNvPr>
@@ -290,7 +290,7 @@
           <p:cNvPr id="6" name="灯片编号占位符 5">
             <a:extLst>
               <a:ext uri="{FF2B5EF4-FFF2-40B4-BE49-F238E27FC236}">
-                <a16:creationId xmlns:a16="http://schemas.microsoft.com/office/drawing/2014/main" id="{8FA3DBD9-A442-99C9-BCEF-8DF66FE29935}"/>
+                <a16:creationId xmlns:a16="http://schemas.microsoft.com/office/drawing/2014/main" id="{94CAEBE8-BBDC-D39B-D878-014259100314}"/>
               </a:ext>
             </a:extLst>
           </p:cNvPr>
@@ -306,7 +306,7 @@
           <a:bodyPr/>
           <a:lstStyle/>
           <a:p>
-            <a:fld id="{239EF96F-FBAC-47B8-96F7-36E86ED5D073}" type="slidenum">
+            <a:fld id="{B00CFF53-63A1-4740-8DD5-3E33896B41B9}" type="slidenum">
               <a:rPr lang="zh-CN" altLang="en-US" smtClean="0"/>
               <a:t>‹#›</a:t>
             </a:fld>
@@ -317,7 +317,7 @@
     </p:spTree>
     <p:extLst>
       <p:ext uri="{BB962C8B-B14F-4D97-AF65-F5344CB8AC3E}">
-        <p14:creationId xmlns:p14="http://schemas.microsoft.com/office/powerpoint/2010/main" val="2614405005"/>
+        <p14:creationId xmlns:p14="http://schemas.microsoft.com/office/powerpoint/2010/main" val="645271863"/>
       </p:ext>
     </p:extLst>
   </p:cSld>
@@ -349,7 +349,7 @@
           <p:cNvPr id="2" name="标题 1">
             <a:extLst>
               <a:ext uri="{FF2B5EF4-FFF2-40B4-BE49-F238E27FC236}">
-                <a16:creationId xmlns:a16="http://schemas.microsoft.com/office/drawing/2014/main" id="{6366BB71-45E1-BB0E-53EE-4867F9CF97F1}"/>
+                <a16:creationId xmlns:a16="http://schemas.microsoft.com/office/drawing/2014/main" id="{693DFEB1-CF3E-EC02-11DD-30C6B8E2752A}"/>
               </a:ext>
             </a:extLst>
           </p:cNvPr>
@@ -377,7 +377,7 @@
           <p:cNvPr id="3" name="竖排文字占位符 2">
             <a:extLst>
               <a:ext uri="{FF2B5EF4-FFF2-40B4-BE49-F238E27FC236}">
-                <a16:creationId xmlns:a16="http://schemas.microsoft.com/office/drawing/2014/main" id="{A27770C0-9646-184C-C042-3A9B9FB2F4DB}"/>
+                <a16:creationId xmlns:a16="http://schemas.microsoft.com/office/drawing/2014/main" id="{111DA6CF-9F6C-E718-975F-6EF3F2CA2C71}"/>
               </a:ext>
             </a:extLst>
           </p:cNvPr>
@@ -434,7 +434,7 @@
           <p:cNvPr id="4" name="日期占位符 3">
             <a:extLst>
               <a:ext uri="{FF2B5EF4-FFF2-40B4-BE49-F238E27FC236}">
-                <a16:creationId xmlns:a16="http://schemas.microsoft.com/office/drawing/2014/main" id="{FD1BB7C9-9DD5-597F-CE09-DB486176C89C}"/>
+                <a16:creationId xmlns:a16="http://schemas.microsoft.com/office/drawing/2014/main" id="{88332200-3716-A746-7FAF-9A50F3EEB914}"/>
               </a:ext>
             </a:extLst>
           </p:cNvPr>
@@ -450,7 +450,7 @@
           <a:bodyPr/>
           <a:lstStyle/>
           <a:p>
-            <a:fld id="{0F667C32-8721-4A02-B607-54760A80A51A}" type="datetimeFigureOut">
+            <a:fld id="{DB1229E9-2C91-493B-BB33-A2C91C01FF3C}" type="datetimeFigureOut">
               <a:rPr lang="zh-CN" altLang="en-US" smtClean="0"/>
               <a:t>2024/3/10</a:t>
             </a:fld>
@@ -463,7 +463,7 @@
           <p:cNvPr id="5" name="页脚占位符 4">
             <a:extLst>
               <a:ext uri="{FF2B5EF4-FFF2-40B4-BE49-F238E27FC236}">
-                <a16:creationId xmlns:a16="http://schemas.microsoft.com/office/drawing/2014/main" id="{B288F754-AEA0-9348-6737-69AB630B67C2}"/>
+                <a16:creationId xmlns:a16="http://schemas.microsoft.com/office/drawing/2014/main" id="{FD363963-5A3D-BADE-7077-BC392390185B}"/>
               </a:ext>
             </a:extLst>
           </p:cNvPr>
@@ -488,7 +488,7 @@
           <p:cNvPr id="6" name="灯片编号占位符 5">
             <a:extLst>
               <a:ext uri="{FF2B5EF4-FFF2-40B4-BE49-F238E27FC236}">
-                <a16:creationId xmlns:a16="http://schemas.microsoft.com/office/drawing/2014/main" id="{39C9FAE6-34B7-FB63-6E21-F2C295F7764A}"/>
+                <a16:creationId xmlns:a16="http://schemas.microsoft.com/office/drawing/2014/main" id="{18BEE29E-D98E-E5D0-3AED-C7F0BB0D587D}"/>
               </a:ext>
             </a:extLst>
           </p:cNvPr>
@@ -504,7 +504,7 @@
           <a:bodyPr/>
           <a:lstStyle/>
           <a:p>
-            <a:fld id="{239EF96F-FBAC-47B8-96F7-36E86ED5D073}" type="slidenum">
+            <a:fld id="{B00CFF53-63A1-4740-8DD5-3E33896B41B9}" type="slidenum">
               <a:rPr lang="zh-CN" altLang="en-US" smtClean="0"/>
               <a:t>‹#›</a:t>
             </a:fld>
@@ -515,7 +515,7 @@
     </p:spTree>
     <p:extLst>
       <p:ext uri="{BB962C8B-B14F-4D97-AF65-F5344CB8AC3E}">
-        <p14:creationId xmlns:p14="http://schemas.microsoft.com/office/powerpoint/2010/main" val="2953839468"/>
+        <p14:creationId xmlns:p14="http://schemas.microsoft.com/office/powerpoint/2010/main" val="3347346243"/>
       </p:ext>
     </p:extLst>
   </p:cSld>
@@ -547,7 +547,7 @@
           <p:cNvPr id="2" name="竖排标题 1">
             <a:extLst>
               <a:ext uri="{FF2B5EF4-FFF2-40B4-BE49-F238E27FC236}">
-                <a16:creationId xmlns:a16="http://schemas.microsoft.com/office/drawing/2014/main" id="{4BDC158A-3091-8BCC-D9F3-DA25A027731D}"/>
+                <a16:creationId xmlns:a16="http://schemas.microsoft.com/office/drawing/2014/main" id="{81F3E40C-18C4-B665-AE5C-C181CF5F6EA3}"/>
               </a:ext>
             </a:extLst>
           </p:cNvPr>
@@ -580,7 +580,7 @@
           <p:cNvPr id="3" name="竖排文字占位符 2">
             <a:extLst>
               <a:ext uri="{FF2B5EF4-FFF2-40B4-BE49-F238E27FC236}">
-                <a16:creationId xmlns:a16="http://schemas.microsoft.com/office/drawing/2014/main" id="{23C16288-4C0D-2A46-C3DB-F0602853765D}"/>
+                <a16:creationId xmlns:a16="http://schemas.microsoft.com/office/drawing/2014/main" id="{4881DAAF-E8B5-48AF-3225-9851C5F48A85}"/>
               </a:ext>
             </a:extLst>
           </p:cNvPr>
@@ -642,7 +642,7 @@
           <p:cNvPr id="4" name="日期占位符 3">
             <a:extLst>
               <a:ext uri="{FF2B5EF4-FFF2-40B4-BE49-F238E27FC236}">
-                <a16:creationId xmlns:a16="http://schemas.microsoft.com/office/drawing/2014/main" id="{B85C3157-B467-FA5E-F3C8-364892E336B1}"/>
+                <a16:creationId xmlns:a16="http://schemas.microsoft.com/office/drawing/2014/main" id="{69A13C35-B95E-71D2-F456-15FC08C0145A}"/>
               </a:ext>
             </a:extLst>
           </p:cNvPr>
@@ -658,7 +658,7 @@
           <a:bodyPr/>
           <a:lstStyle/>
           <a:p>
-            <a:fld id="{0F667C32-8721-4A02-B607-54760A80A51A}" type="datetimeFigureOut">
+            <a:fld id="{DB1229E9-2C91-493B-BB33-A2C91C01FF3C}" type="datetimeFigureOut">
               <a:rPr lang="zh-CN" altLang="en-US" smtClean="0"/>
               <a:t>2024/3/10</a:t>
             </a:fld>
@@ -671,7 +671,7 @@
           <p:cNvPr id="5" name="页脚占位符 4">
             <a:extLst>
               <a:ext uri="{FF2B5EF4-FFF2-40B4-BE49-F238E27FC236}">
-                <a16:creationId xmlns:a16="http://schemas.microsoft.com/office/drawing/2014/main" id="{81077BB7-A0B9-C97F-745B-1334EDAACCCF}"/>
+                <a16:creationId xmlns:a16="http://schemas.microsoft.com/office/drawing/2014/main" id="{FD64699F-22AE-7AA2-DC68-56697F8F921D}"/>
               </a:ext>
             </a:extLst>
           </p:cNvPr>
@@ -696,7 +696,7 @@
           <p:cNvPr id="6" name="灯片编号占位符 5">
             <a:extLst>
               <a:ext uri="{FF2B5EF4-FFF2-40B4-BE49-F238E27FC236}">
-                <a16:creationId xmlns:a16="http://schemas.microsoft.com/office/drawing/2014/main" id="{1C19AC58-2C6F-67DB-80E4-6BBECBAA8115}"/>
+                <a16:creationId xmlns:a16="http://schemas.microsoft.com/office/drawing/2014/main" id="{E8BF7729-AEFC-B012-AB41-5845031EAF15}"/>
               </a:ext>
             </a:extLst>
           </p:cNvPr>
@@ -712,7 +712,7 @@
           <a:bodyPr/>
           <a:lstStyle/>
           <a:p>
-            <a:fld id="{239EF96F-FBAC-47B8-96F7-36E86ED5D073}" type="slidenum">
+            <a:fld id="{B00CFF53-63A1-4740-8DD5-3E33896B41B9}" type="slidenum">
               <a:rPr lang="zh-CN" altLang="en-US" smtClean="0"/>
               <a:t>‹#›</a:t>
             </a:fld>
@@ -723,7 +723,7 @@
     </p:spTree>
     <p:extLst>
       <p:ext uri="{BB962C8B-B14F-4D97-AF65-F5344CB8AC3E}">
-        <p14:creationId xmlns:p14="http://schemas.microsoft.com/office/powerpoint/2010/main" val="2801512726"/>
+        <p14:creationId xmlns:p14="http://schemas.microsoft.com/office/powerpoint/2010/main" val="2186543936"/>
       </p:ext>
     </p:extLst>
   </p:cSld>
@@ -755,7 +755,7 @@
           <p:cNvPr id="2" name="标题 1">
             <a:extLst>
               <a:ext uri="{FF2B5EF4-FFF2-40B4-BE49-F238E27FC236}">
-                <a16:creationId xmlns:a16="http://schemas.microsoft.com/office/drawing/2014/main" id="{F108E855-F6B9-5609-5D25-E980071A38A4}"/>
+                <a16:creationId xmlns:a16="http://schemas.microsoft.com/office/drawing/2014/main" id="{AB519D12-8C44-03D1-9C9A-07745EC64568}"/>
               </a:ext>
             </a:extLst>
           </p:cNvPr>
@@ -783,7 +783,7 @@
           <p:cNvPr id="3" name="内容占位符 2">
             <a:extLst>
               <a:ext uri="{FF2B5EF4-FFF2-40B4-BE49-F238E27FC236}">
-                <a16:creationId xmlns:a16="http://schemas.microsoft.com/office/drawing/2014/main" id="{DAD54063-CFDD-C9B3-CE99-E7CF37290156}"/>
+                <a16:creationId xmlns:a16="http://schemas.microsoft.com/office/drawing/2014/main" id="{90C8A089-ABCE-C131-F2C3-A2D269DD41B0}"/>
               </a:ext>
             </a:extLst>
           </p:cNvPr>
@@ -840,7 +840,7 @@
           <p:cNvPr id="4" name="日期占位符 3">
             <a:extLst>
               <a:ext uri="{FF2B5EF4-FFF2-40B4-BE49-F238E27FC236}">
-                <a16:creationId xmlns:a16="http://schemas.microsoft.com/office/drawing/2014/main" id="{FF4C826C-6AE6-1082-A157-2AC5C7BE3BA5}"/>
+                <a16:creationId xmlns:a16="http://schemas.microsoft.com/office/drawing/2014/main" id="{857243BE-FC84-CFCB-A704-E5234D219B30}"/>
               </a:ext>
             </a:extLst>
           </p:cNvPr>
@@ -856,7 +856,7 @@
           <a:bodyPr/>
           <a:lstStyle/>
           <a:p>
-            <a:fld id="{0F667C32-8721-4A02-B607-54760A80A51A}" type="datetimeFigureOut">
+            <a:fld id="{DB1229E9-2C91-493B-BB33-A2C91C01FF3C}" type="datetimeFigureOut">
               <a:rPr lang="zh-CN" altLang="en-US" smtClean="0"/>
               <a:t>2024/3/10</a:t>
             </a:fld>
@@ -869,7 +869,7 @@
           <p:cNvPr id="5" name="页脚占位符 4">
             <a:extLst>
               <a:ext uri="{FF2B5EF4-FFF2-40B4-BE49-F238E27FC236}">
-                <a16:creationId xmlns:a16="http://schemas.microsoft.com/office/drawing/2014/main" id="{24239C0D-3B04-35F6-F672-DC3DCAE5B32B}"/>
+                <a16:creationId xmlns:a16="http://schemas.microsoft.com/office/drawing/2014/main" id="{6D2979F4-2737-4036-BC46-61F461C9A9B4}"/>
               </a:ext>
             </a:extLst>
           </p:cNvPr>
@@ -894,7 +894,7 @@
           <p:cNvPr id="6" name="灯片编号占位符 5">
             <a:extLst>
               <a:ext uri="{FF2B5EF4-FFF2-40B4-BE49-F238E27FC236}">
-                <a16:creationId xmlns:a16="http://schemas.microsoft.com/office/drawing/2014/main" id="{6BD4DFB0-E387-4693-7411-1F9565205337}"/>
+                <a16:creationId xmlns:a16="http://schemas.microsoft.com/office/drawing/2014/main" id="{C6554EC7-DED3-5B30-773C-6A15E5D439C5}"/>
               </a:ext>
             </a:extLst>
           </p:cNvPr>
@@ -910,7 +910,7 @@
           <a:bodyPr/>
           <a:lstStyle/>
           <a:p>
-            <a:fld id="{239EF96F-FBAC-47B8-96F7-36E86ED5D073}" type="slidenum">
+            <a:fld id="{B00CFF53-63A1-4740-8DD5-3E33896B41B9}" type="slidenum">
               <a:rPr lang="zh-CN" altLang="en-US" smtClean="0"/>
               <a:t>‹#›</a:t>
             </a:fld>
@@ -921,7 +921,7 @@
     </p:spTree>
     <p:extLst>
       <p:ext uri="{BB962C8B-B14F-4D97-AF65-F5344CB8AC3E}">
-        <p14:creationId xmlns:p14="http://schemas.microsoft.com/office/powerpoint/2010/main" val="4063768507"/>
+        <p14:creationId xmlns:p14="http://schemas.microsoft.com/office/powerpoint/2010/main" val="1299785484"/>
       </p:ext>
     </p:extLst>
   </p:cSld>
@@ -953,7 +953,7 @@
           <p:cNvPr id="2" name="标题 1">
             <a:extLst>
               <a:ext uri="{FF2B5EF4-FFF2-40B4-BE49-F238E27FC236}">
-                <a16:creationId xmlns:a16="http://schemas.microsoft.com/office/drawing/2014/main" id="{A465F8A2-897F-9185-8F55-F3B877592FEF}"/>
+                <a16:creationId xmlns:a16="http://schemas.microsoft.com/office/drawing/2014/main" id="{744F149D-3AF1-2F52-E1AB-7D7ED1852A6D}"/>
               </a:ext>
             </a:extLst>
           </p:cNvPr>
@@ -990,7 +990,7 @@
           <p:cNvPr id="3" name="文本占位符 2">
             <a:extLst>
               <a:ext uri="{FF2B5EF4-FFF2-40B4-BE49-F238E27FC236}">
-                <a16:creationId xmlns:a16="http://schemas.microsoft.com/office/drawing/2014/main" id="{3AA05FCC-29D8-D8D6-B753-BF1AE4942B2E}"/>
+                <a16:creationId xmlns:a16="http://schemas.microsoft.com/office/drawing/2014/main" id="{B3A2BD61-3CB8-A816-07A7-CEA94E81834C}"/>
               </a:ext>
             </a:extLst>
           </p:cNvPr>
@@ -1115,7 +1115,7 @@
           <p:cNvPr id="4" name="日期占位符 3">
             <a:extLst>
               <a:ext uri="{FF2B5EF4-FFF2-40B4-BE49-F238E27FC236}">
-                <a16:creationId xmlns:a16="http://schemas.microsoft.com/office/drawing/2014/main" id="{6144EFAD-BE83-57C9-58B8-B68A107B6888}"/>
+                <a16:creationId xmlns:a16="http://schemas.microsoft.com/office/drawing/2014/main" id="{18948871-DF44-855D-A3F6-17F045359388}"/>
               </a:ext>
             </a:extLst>
           </p:cNvPr>
@@ -1131,7 +1131,7 @@
           <a:bodyPr/>
           <a:lstStyle/>
           <a:p>
-            <a:fld id="{0F667C32-8721-4A02-B607-54760A80A51A}" type="datetimeFigureOut">
+            <a:fld id="{DB1229E9-2C91-493B-BB33-A2C91C01FF3C}" type="datetimeFigureOut">
               <a:rPr lang="zh-CN" altLang="en-US" smtClean="0"/>
               <a:t>2024/3/10</a:t>
             </a:fld>
@@ -1144,7 +1144,7 @@
           <p:cNvPr id="5" name="页脚占位符 4">
             <a:extLst>
               <a:ext uri="{FF2B5EF4-FFF2-40B4-BE49-F238E27FC236}">
-                <a16:creationId xmlns:a16="http://schemas.microsoft.com/office/drawing/2014/main" id="{763EB380-8634-8BB9-FEFE-F8CF8824EB66}"/>
+                <a16:creationId xmlns:a16="http://schemas.microsoft.com/office/drawing/2014/main" id="{D5A88DB9-9BA7-7B63-DA84-4B224B4B5850}"/>
               </a:ext>
             </a:extLst>
           </p:cNvPr>
@@ -1169,7 +1169,7 @@
           <p:cNvPr id="6" name="灯片编号占位符 5">
             <a:extLst>
               <a:ext uri="{FF2B5EF4-FFF2-40B4-BE49-F238E27FC236}">
-                <a16:creationId xmlns:a16="http://schemas.microsoft.com/office/drawing/2014/main" id="{B4B78BC0-8B46-A539-23AB-6AEED9D23F1F}"/>
+                <a16:creationId xmlns:a16="http://schemas.microsoft.com/office/drawing/2014/main" id="{829F48ED-CC2F-71A5-7976-ABCE0ED9CCD4}"/>
               </a:ext>
             </a:extLst>
           </p:cNvPr>
@@ -1185,7 +1185,7 @@
           <a:bodyPr/>
           <a:lstStyle/>
           <a:p>
-            <a:fld id="{239EF96F-FBAC-47B8-96F7-36E86ED5D073}" type="slidenum">
+            <a:fld id="{B00CFF53-63A1-4740-8DD5-3E33896B41B9}" type="slidenum">
               <a:rPr lang="zh-CN" altLang="en-US" smtClean="0"/>
               <a:t>‹#›</a:t>
             </a:fld>
@@ -1196,7 +1196,7 @@
     </p:spTree>
     <p:extLst>
       <p:ext uri="{BB962C8B-B14F-4D97-AF65-F5344CB8AC3E}">
-        <p14:creationId xmlns:p14="http://schemas.microsoft.com/office/powerpoint/2010/main" val="4013188291"/>
+        <p14:creationId xmlns:p14="http://schemas.microsoft.com/office/powerpoint/2010/main" val="3695031487"/>
       </p:ext>
     </p:extLst>
   </p:cSld>
@@ -1228,7 +1228,7 @@
           <p:cNvPr id="2" name="标题 1">
             <a:extLst>
               <a:ext uri="{FF2B5EF4-FFF2-40B4-BE49-F238E27FC236}">
-                <a16:creationId xmlns:a16="http://schemas.microsoft.com/office/drawing/2014/main" id="{81FE3126-7DB6-3D2C-5B62-35D93FA84F19}"/>
+                <a16:creationId xmlns:a16="http://schemas.microsoft.com/office/drawing/2014/main" id="{F0CBC9BA-7ED2-2A36-E8A9-A96AA117529F}"/>
               </a:ext>
             </a:extLst>
           </p:cNvPr>
@@ -1256,7 +1256,7 @@
           <p:cNvPr id="3" name="内容占位符 2">
             <a:extLst>
               <a:ext uri="{FF2B5EF4-FFF2-40B4-BE49-F238E27FC236}">
-                <a16:creationId xmlns:a16="http://schemas.microsoft.com/office/drawing/2014/main" id="{A3FF338F-855F-CEDC-57D8-E9FBE08FC9EB}"/>
+                <a16:creationId xmlns:a16="http://schemas.microsoft.com/office/drawing/2014/main" id="{47FF28E6-AD11-5D17-5236-4D87ABD6D62B}"/>
               </a:ext>
             </a:extLst>
           </p:cNvPr>
@@ -1318,7 +1318,7 @@
           <p:cNvPr id="4" name="内容占位符 3">
             <a:extLst>
               <a:ext uri="{FF2B5EF4-FFF2-40B4-BE49-F238E27FC236}">
-                <a16:creationId xmlns:a16="http://schemas.microsoft.com/office/drawing/2014/main" id="{1324A6C9-935C-96CA-847D-A6C401AEAA06}"/>
+                <a16:creationId xmlns:a16="http://schemas.microsoft.com/office/drawing/2014/main" id="{2D18A1A4-39D2-9FE6-2775-AA6D3182D41E}"/>
               </a:ext>
             </a:extLst>
           </p:cNvPr>
@@ -1380,7 +1380,7 @@
           <p:cNvPr id="5" name="日期占位符 4">
             <a:extLst>
               <a:ext uri="{FF2B5EF4-FFF2-40B4-BE49-F238E27FC236}">
-                <a16:creationId xmlns:a16="http://schemas.microsoft.com/office/drawing/2014/main" id="{5800797D-06D8-8453-9B06-678DCD121437}"/>
+                <a16:creationId xmlns:a16="http://schemas.microsoft.com/office/drawing/2014/main" id="{D991F0DE-0545-D236-49A2-51C6A98F0B00}"/>
               </a:ext>
             </a:extLst>
           </p:cNvPr>
@@ -1396,7 +1396,7 @@
           <a:bodyPr/>
           <a:lstStyle/>
           <a:p>
-            <a:fld id="{0F667C32-8721-4A02-B607-54760A80A51A}" type="datetimeFigureOut">
+            <a:fld id="{DB1229E9-2C91-493B-BB33-A2C91C01FF3C}" type="datetimeFigureOut">
               <a:rPr lang="zh-CN" altLang="en-US" smtClean="0"/>
               <a:t>2024/3/10</a:t>
             </a:fld>
@@ -1409,7 +1409,7 @@
           <p:cNvPr id="6" name="页脚占位符 5">
             <a:extLst>
               <a:ext uri="{FF2B5EF4-FFF2-40B4-BE49-F238E27FC236}">
-                <a16:creationId xmlns:a16="http://schemas.microsoft.com/office/drawing/2014/main" id="{D7D8D4D4-1FDA-17A4-B788-A49E0C65675C}"/>
+                <a16:creationId xmlns:a16="http://schemas.microsoft.com/office/drawing/2014/main" id="{33E7C652-ADF2-0661-79A0-A5483EA76ABE}"/>
               </a:ext>
             </a:extLst>
           </p:cNvPr>
@@ -1434,7 +1434,7 @@
           <p:cNvPr id="7" name="灯片编号占位符 6">
             <a:extLst>
               <a:ext uri="{FF2B5EF4-FFF2-40B4-BE49-F238E27FC236}">
-                <a16:creationId xmlns:a16="http://schemas.microsoft.com/office/drawing/2014/main" id="{5F9546E4-99C9-EBFC-DDB7-50994C0CA4F1}"/>
+                <a16:creationId xmlns:a16="http://schemas.microsoft.com/office/drawing/2014/main" id="{F99783BB-9416-AC0D-E8B1-F84864F38B1A}"/>
               </a:ext>
             </a:extLst>
           </p:cNvPr>
@@ -1450,7 +1450,7 @@
           <a:bodyPr/>
           <a:lstStyle/>
           <a:p>
-            <a:fld id="{239EF96F-FBAC-47B8-96F7-36E86ED5D073}" type="slidenum">
+            <a:fld id="{B00CFF53-63A1-4740-8DD5-3E33896B41B9}" type="slidenum">
               <a:rPr lang="zh-CN" altLang="en-US" smtClean="0"/>
               <a:t>‹#›</a:t>
             </a:fld>
@@ -1461,7 +1461,7 @@
     </p:spTree>
     <p:extLst>
       <p:ext uri="{BB962C8B-B14F-4D97-AF65-F5344CB8AC3E}">
-        <p14:creationId xmlns:p14="http://schemas.microsoft.com/office/powerpoint/2010/main" val="2584747037"/>
+        <p14:creationId xmlns:p14="http://schemas.microsoft.com/office/powerpoint/2010/main" val="3406250815"/>
       </p:ext>
     </p:extLst>
   </p:cSld>
@@ -1493,7 +1493,7 @@
           <p:cNvPr id="2" name="标题 1">
             <a:extLst>
               <a:ext uri="{FF2B5EF4-FFF2-40B4-BE49-F238E27FC236}">
-                <a16:creationId xmlns:a16="http://schemas.microsoft.com/office/drawing/2014/main" id="{911D3589-AD33-8356-73F8-D24CEE189123}"/>
+                <a16:creationId xmlns:a16="http://schemas.microsoft.com/office/drawing/2014/main" id="{A7A889AD-BDA6-8D93-DA4A-C335C224D534}"/>
               </a:ext>
             </a:extLst>
           </p:cNvPr>
@@ -1526,7 +1526,7 @@
           <p:cNvPr id="3" name="文本占位符 2">
             <a:extLst>
               <a:ext uri="{FF2B5EF4-FFF2-40B4-BE49-F238E27FC236}">
-                <a16:creationId xmlns:a16="http://schemas.microsoft.com/office/drawing/2014/main" id="{5A2F6CA4-77EB-DFCA-97DD-E81DB95ABB64}"/>
+                <a16:creationId xmlns:a16="http://schemas.microsoft.com/office/drawing/2014/main" id="{43E9DC0F-6896-B091-54D9-DA580EABE4A5}"/>
               </a:ext>
             </a:extLst>
           </p:cNvPr>
@@ -1597,7 +1597,7 @@
           <p:cNvPr id="4" name="内容占位符 3">
             <a:extLst>
               <a:ext uri="{FF2B5EF4-FFF2-40B4-BE49-F238E27FC236}">
-                <a16:creationId xmlns:a16="http://schemas.microsoft.com/office/drawing/2014/main" id="{669F5920-D767-A930-3630-C31A78F4255C}"/>
+                <a16:creationId xmlns:a16="http://schemas.microsoft.com/office/drawing/2014/main" id="{AFB653EA-3A61-C888-B246-36F0605CC295}"/>
               </a:ext>
             </a:extLst>
           </p:cNvPr>
@@ -1659,7 +1659,7 @@
           <p:cNvPr id="5" name="文本占位符 4">
             <a:extLst>
               <a:ext uri="{FF2B5EF4-FFF2-40B4-BE49-F238E27FC236}">
-                <a16:creationId xmlns:a16="http://schemas.microsoft.com/office/drawing/2014/main" id="{3D4C0E2C-382D-370D-49DB-43BD14C0B60F}"/>
+                <a16:creationId xmlns:a16="http://schemas.microsoft.com/office/drawing/2014/main" id="{11D9E764-58B6-F638-9EC9-59B7D6C885A5}"/>
               </a:ext>
             </a:extLst>
           </p:cNvPr>
@@ -1730,7 +1730,7 @@
           <p:cNvPr id="6" name="内容占位符 5">
             <a:extLst>
               <a:ext uri="{FF2B5EF4-FFF2-40B4-BE49-F238E27FC236}">
-                <a16:creationId xmlns:a16="http://schemas.microsoft.com/office/drawing/2014/main" id="{6EC92982-B0AC-BC42-1C1D-F207B3844FF2}"/>
+                <a16:creationId xmlns:a16="http://schemas.microsoft.com/office/drawing/2014/main" id="{3443EA07-C805-0FA8-FA83-13D48B54D0D4}"/>
               </a:ext>
             </a:extLst>
           </p:cNvPr>
@@ -1792,7 +1792,7 @@
           <p:cNvPr id="7" name="日期占位符 6">
             <a:extLst>
               <a:ext uri="{FF2B5EF4-FFF2-40B4-BE49-F238E27FC236}">
-                <a16:creationId xmlns:a16="http://schemas.microsoft.com/office/drawing/2014/main" id="{CC68F3F4-235C-D72A-D39E-2AA38272EEC4}"/>
+                <a16:creationId xmlns:a16="http://schemas.microsoft.com/office/drawing/2014/main" id="{1AF73F92-2660-AB1C-44EF-19A1D07F45B4}"/>
               </a:ext>
             </a:extLst>
           </p:cNvPr>
@@ -1808,7 +1808,7 @@
           <a:bodyPr/>
           <a:lstStyle/>
           <a:p>
-            <a:fld id="{0F667C32-8721-4A02-B607-54760A80A51A}" type="datetimeFigureOut">
+            <a:fld id="{DB1229E9-2C91-493B-BB33-A2C91C01FF3C}" type="datetimeFigureOut">
               <a:rPr lang="zh-CN" altLang="en-US" smtClean="0"/>
               <a:t>2024/3/10</a:t>
             </a:fld>
@@ -1821,7 +1821,7 @@
           <p:cNvPr id="8" name="页脚占位符 7">
             <a:extLst>
               <a:ext uri="{FF2B5EF4-FFF2-40B4-BE49-F238E27FC236}">
-                <a16:creationId xmlns:a16="http://schemas.microsoft.com/office/drawing/2014/main" id="{59080E18-709B-E1BB-C45E-FA4096B1B7DD}"/>
+                <a16:creationId xmlns:a16="http://schemas.microsoft.com/office/drawing/2014/main" id="{DE5B9724-7E81-1AF6-3F71-EEAE2592A783}"/>
               </a:ext>
             </a:extLst>
           </p:cNvPr>
@@ -1846,7 +1846,7 @@
           <p:cNvPr id="9" name="灯片编号占位符 8">
             <a:extLst>
               <a:ext uri="{FF2B5EF4-FFF2-40B4-BE49-F238E27FC236}">
-                <a16:creationId xmlns:a16="http://schemas.microsoft.com/office/drawing/2014/main" id="{D50B7E34-D8CC-6A48-3AE4-B32B8298C973}"/>
+                <a16:creationId xmlns:a16="http://schemas.microsoft.com/office/drawing/2014/main" id="{BE74E3FC-1173-0EF3-CE5C-B613FA23FD44}"/>
               </a:ext>
             </a:extLst>
           </p:cNvPr>
@@ -1862,7 +1862,7 @@
           <a:bodyPr/>
           <a:lstStyle/>
           <a:p>
-            <a:fld id="{239EF96F-FBAC-47B8-96F7-36E86ED5D073}" type="slidenum">
+            <a:fld id="{B00CFF53-63A1-4740-8DD5-3E33896B41B9}" type="slidenum">
               <a:rPr lang="zh-CN" altLang="en-US" smtClean="0"/>
               <a:t>‹#›</a:t>
             </a:fld>
@@ -1873,7 +1873,7 @@
     </p:spTree>
     <p:extLst>
       <p:ext uri="{BB962C8B-B14F-4D97-AF65-F5344CB8AC3E}">
-        <p14:creationId xmlns:p14="http://schemas.microsoft.com/office/powerpoint/2010/main" val="4234976975"/>
+        <p14:creationId xmlns:p14="http://schemas.microsoft.com/office/powerpoint/2010/main" val="2126163135"/>
       </p:ext>
     </p:extLst>
   </p:cSld>
@@ -1905,7 +1905,7 @@
           <p:cNvPr id="2" name="标题 1">
             <a:extLst>
               <a:ext uri="{FF2B5EF4-FFF2-40B4-BE49-F238E27FC236}">
-                <a16:creationId xmlns:a16="http://schemas.microsoft.com/office/drawing/2014/main" id="{A2B5D091-7AEF-C41B-A493-ADAF6C3E9F8C}"/>
+                <a16:creationId xmlns:a16="http://schemas.microsoft.com/office/drawing/2014/main" id="{50381DA1-CD68-CFEE-1E27-30DA2BF101C9}"/>
               </a:ext>
             </a:extLst>
           </p:cNvPr>
@@ -1933,7 +1933,7 @@
           <p:cNvPr id="3" name="日期占位符 2">
             <a:extLst>
               <a:ext uri="{FF2B5EF4-FFF2-40B4-BE49-F238E27FC236}">
-                <a16:creationId xmlns:a16="http://schemas.microsoft.com/office/drawing/2014/main" id="{36888D16-D239-D07E-CC4E-C719BD0357DC}"/>
+                <a16:creationId xmlns:a16="http://schemas.microsoft.com/office/drawing/2014/main" id="{016DB0E5-46A7-2DA0-1017-FA7599A51AB9}"/>
               </a:ext>
             </a:extLst>
           </p:cNvPr>
@@ -1949,7 +1949,7 @@
           <a:bodyPr/>
           <a:lstStyle/>
           <a:p>
-            <a:fld id="{0F667C32-8721-4A02-B607-54760A80A51A}" type="datetimeFigureOut">
+            <a:fld id="{DB1229E9-2C91-493B-BB33-A2C91C01FF3C}" type="datetimeFigureOut">
               <a:rPr lang="zh-CN" altLang="en-US" smtClean="0"/>
               <a:t>2024/3/10</a:t>
             </a:fld>
@@ -1962,7 +1962,7 @@
           <p:cNvPr id="4" name="页脚占位符 3">
             <a:extLst>
               <a:ext uri="{FF2B5EF4-FFF2-40B4-BE49-F238E27FC236}">
-                <a16:creationId xmlns:a16="http://schemas.microsoft.com/office/drawing/2014/main" id="{3D0567F1-500E-E70D-BEA1-18F8055701C0}"/>
+                <a16:creationId xmlns:a16="http://schemas.microsoft.com/office/drawing/2014/main" id="{628A6989-B14A-3638-000C-EB02B06B7C92}"/>
               </a:ext>
             </a:extLst>
           </p:cNvPr>
@@ -1987,7 +1987,7 @@
           <p:cNvPr id="5" name="灯片编号占位符 4">
             <a:extLst>
               <a:ext uri="{FF2B5EF4-FFF2-40B4-BE49-F238E27FC236}">
-                <a16:creationId xmlns:a16="http://schemas.microsoft.com/office/drawing/2014/main" id="{BCF2A182-1154-62CC-1366-56D2205E5CFD}"/>
+                <a16:creationId xmlns:a16="http://schemas.microsoft.com/office/drawing/2014/main" id="{EA0EDF29-85E6-C20A-FC30-E4061A3E5B3F}"/>
               </a:ext>
             </a:extLst>
           </p:cNvPr>
@@ -2003,7 +2003,7 @@
           <a:bodyPr/>
           <a:lstStyle/>
           <a:p>
-            <a:fld id="{239EF96F-FBAC-47B8-96F7-36E86ED5D073}" type="slidenum">
+            <a:fld id="{B00CFF53-63A1-4740-8DD5-3E33896B41B9}" type="slidenum">
               <a:rPr lang="zh-CN" altLang="en-US" smtClean="0"/>
               <a:t>‹#›</a:t>
             </a:fld>
@@ -2014,7 +2014,7 @@
     </p:spTree>
     <p:extLst>
       <p:ext uri="{BB962C8B-B14F-4D97-AF65-F5344CB8AC3E}">
-        <p14:creationId xmlns:p14="http://schemas.microsoft.com/office/powerpoint/2010/main" val="529437557"/>
+        <p14:creationId xmlns:p14="http://schemas.microsoft.com/office/powerpoint/2010/main" val="2652436909"/>
       </p:ext>
     </p:extLst>
   </p:cSld>
@@ -2046,7 +2046,7 @@
           <p:cNvPr id="2" name="日期占位符 1">
             <a:extLst>
               <a:ext uri="{FF2B5EF4-FFF2-40B4-BE49-F238E27FC236}">
-                <a16:creationId xmlns:a16="http://schemas.microsoft.com/office/drawing/2014/main" id="{3D06BE3A-3FDE-461E-A6AF-325F3D61350C}"/>
+                <a16:creationId xmlns:a16="http://schemas.microsoft.com/office/drawing/2014/main" id="{8999DB6F-F296-5681-EF50-919E66CD4C72}"/>
               </a:ext>
             </a:extLst>
           </p:cNvPr>
@@ -2062,7 +2062,7 @@
           <a:bodyPr/>
           <a:lstStyle/>
           <a:p>
-            <a:fld id="{0F667C32-8721-4A02-B607-54760A80A51A}" type="datetimeFigureOut">
+            <a:fld id="{DB1229E9-2C91-493B-BB33-A2C91C01FF3C}" type="datetimeFigureOut">
               <a:rPr lang="zh-CN" altLang="en-US" smtClean="0"/>
               <a:t>2024/3/10</a:t>
             </a:fld>
@@ -2075,7 +2075,7 @@
           <p:cNvPr id="3" name="页脚占位符 2">
             <a:extLst>
               <a:ext uri="{FF2B5EF4-FFF2-40B4-BE49-F238E27FC236}">
-                <a16:creationId xmlns:a16="http://schemas.microsoft.com/office/drawing/2014/main" id="{CA1CF2F3-5F95-2EDE-87DA-B6A1BAE9DDF3}"/>
+                <a16:creationId xmlns:a16="http://schemas.microsoft.com/office/drawing/2014/main" id="{4F0A8389-332F-C0FF-8BC6-EF674F867048}"/>
               </a:ext>
             </a:extLst>
           </p:cNvPr>
@@ -2100,7 +2100,7 @@
           <p:cNvPr id="4" name="灯片编号占位符 3">
             <a:extLst>
               <a:ext uri="{FF2B5EF4-FFF2-40B4-BE49-F238E27FC236}">
-                <a16:creationId xmlns:a16="http://schemas.microsoft.com/office/drawing/2014/main" id="{36A74AB7-FCAE-3826-B561-4FC8D0AB772A}"/>
+                <a16:creationId xmlns:a16="http://schemas.microsoft.com/office/drawing/2014/main" id="{A35DD64D-CDAC-E119-6D12-08648E1F6068}"/>
               </a:ext>
             </a:extLst>
           </p:cNvPr>
@@ -2116,7 +2116,7 @@
           <a:bodyPr/>
           <a:lstStyle/>
           <a:p>
-            <a:fld id="{239EF96F-FBAC-47B8-96F7-36E86ED5D073}" type="slidenum">
+            <a:fld id="{B00CFF53-63A1-4740-8DD5-3E33896B41B9}" type="slidenum">
               <a:rPr lang="zh-CN" altLang="en-US" smtClean="0"/>
               <a:t>‹#›</a:t>
             </a:fld>
@@ -2127,7 +2127,7 @@
     </p:spTree>
     <p:extLst>
       <p:ext uri="{BB962C8B-B14F-4D97-AF65-F5344CB8AC3E}">
-        <p14:creationId xmlns:p14="http://schemas.microsoft.com/office/powerpoint/2010/main" val="2308930606"/>
+        <p14:creationId xmlns:p14="http://schemas.microsoft.com/office/powerpoint/2010/main" val="3857452961"/>
       </p:ext>
     </p:extLst>
   </p:cSld>
@@ -2159,7 +2159,7 @@
           <p:cNvPr id="2" name="标题 1">
             <a:extLst>
               <a:ext uri="{FF2B5EF4-FFF2-40B4-BE49-F238E27FC236}">
-                <a16:creationId xmlns:a16="http://schemas.microsoft.com/office/drawing/2014/main" id="{4AC4634E-6AF7-6C33-57E0-566A92FEBDFF}"/>
+                <a16:creationId xmlns:a16="http://schemas.microsoft.com/office/drawing/2014/main" id="{A601A9E8-FFB4-2FE4-44FE-1679E7CDD974}"/>
               </a:ext>
             </a:extLst>
           </p:cNvPr>
@@ -2196,7 +2196,7 @@
           <p:cNvPr id="3" name="内容占位符 2">
             <a:extLst>
               <a:ext uri="{FF2B5EF4-FFF2-40B4-BE49-F238E27FC236}">
-                <a16:creationId xmlns:a16="http://schemas.microsoft.com/office/drawing/2014/main" id="{C0B84CC0-C8C8-00EE-B3CE-92EB36FEDC81}"/>
+                <a16:creationId xmlns:a16="http://schemas.microsoft.com/office/drawing/2014/main" id="{0017EBDA-510B-8A2A-D76E-43690AA0A089}"/>
               </a:ext>
             </a:extLst>
           </p:cNvPr>
@@ -2286,7 +2286,7 @@
           <p:cNvPr id="4" name="文本占位符 3">
             <a:extLst>
               <a:ext uri="{FF2B5EF4-FFF2-40B4-BE49-F238E27FC236}">
-                <a16:creationId xmlns:a16="http://schemas.microsoft.com/office/drawing/2014/main" id="{9FDDEC53-80AD-E728-0416-DA85B6B946D6}"/>
+                <a16:creationId xmlns:a16="http://schemas.microsoft.com/office/drawing/2014/main" id="{D4454008-033A-105E-26FA-6FEF9F9AE73E}"/>
               </a:ext>
             </a:extLst>
           </p:cNvPr>
@@ -2357,7 +2357,7 @@
           <p:cNvPr id="5" name="日期占位符 4">
             <a:extLst>
               <a:ext uri="{FF2B5EF4-FFF2-40B4-BE49-F238E27FC236}">
-                <a16:creationId xmlns:a16="http://schemas.microsoft.com/office/drawing/2014/main" id="{0D52EBE7-E8DE-D38C-E55D-4FFC9E829599}"/>
+                <a16:creationId xmlns:a16="http://schemas.microsoft.com/office/drawing/2014/main" id="{5B8C4E50-0EE7-6635-0DA5-B26A7CA5B522}"/>
               </a:ext>
             </a:extLst>
           </p:cNvPr>
@@ -2373,7 +2373,7 @@
           <a:bodyPr/>
           <a:lstStyle/>
           <a:p>
-            <a:fld id="{0F667C32-8721-4A02-B607-54760A80A51A}" type="datetimeFigureOut">
+            <a:fld id="{DB1229E9-2C91-493B-BB33-A2C91C01FF3C}" type="datetimeFigureOut">
               <a:rPr lang="zh-CN" altLang="en-US" smtClean="0"/>
               <a:t>2024/3/10</a:t>
             </a:fld>
@@ -2386,7 +2386,7 @@
           <p:cNvPr id="6" name="页脚占位符 5">
             <a:extLst>
               <a:ext uri="{FF2B5EF4-FFF2-40B4-BE49-F238E27FC236}">
-                <a16:creationId xmlns:a16="http://schemas.microsoft.com/office/drawing/2014/main" id="{C9A34AC4-22E4-E828-37E3-EA40C46ED8D6}"/>
+                <a16:creationId xmlns:a16="http://schemas.microsoft.com/office/drawing/2014/main" id="{C57CB269-389E-4B53-423E-BFE68A312510}"/>
               </a:ext>
             </a:extLst>
           </p:cNvPr>
@@ -2411,7 +2411,7 @@
           <p:cNvPr id="7" name="灯片编号占位符 6">
             <a:extLst>
               <a:ext uri="{FF2B5EF4-FFF2-40B4-BE49-F238E27FC236}">
-                <a16:creationId xmlns:a16="http://schemas.microsoft.com/office/drawing/2014/main" id="{548553D2-8F25-53E5-7995-EA30B6751061}"/>
+                <a16:creationId xmlns:a16="http://schemas.microsoft.com/office/drawing/2014/main" id="{CAF57C21-AE99-74ED-3862-A59ABA473705}"/>
               </a:ext>
             </a:extLst>
           </p:cNvPr>
@@ -2427,7 +2427,7 @@
           <a:bodyPr/>
           <a:lstStyle/>
           <a:p>
-            <a:fld id="{239EF96F-FBAC-47B8-96F7-36E86ED5D073}" type="slidenum">
+            <a:fld id="{B00CFF53-63A1-4740-8DD5-3E33896B41B9}" type="slidenum">
               <a:rPr lang="zh-CN" altLang="en-US" smtClean="0"/>
               <a:t>‹#›</a:t>
             </a:fld>
@@ -2438,7 +2438,7 @@
     </p:spTree>
     <p:extLst>
       <p:ext uri="{BB962C8B-B14F-4D97-AF65-F5344CB8AC3E}">
-        <p14:creationId xmlns:p14="http://schemas.microsoft.com/office/powerpoint/2010/main" val="3110725076"/>
+        <p14:creationId xmlns:p14="http://schemas.microsoft.com/office/powerpoint/2010/main" val="3184278538"/>
       </p:ext>
     </p:extLst>
   </p:cSld>
@@ -2470,7 +2470,7 @@
           <p:cNvPr id="2" name="标题 1">
             <a:extLst>
               <a:ext uri="{FF2B5EF4-FFF2-40B4-BE49-F238E27FC236}">
-                <a16:creationId xmlns:a16="http://schemas.microsoft.com/office/drawing/2014/main" id="{2CB9AF5F-BB54-4D9F-7346-EEB208B5CD98}"/>
+                <a16:creationId xmlns:a16="http://schemas.microsoft.com/office/drawing/2014/main" id="{706141D9-60F8-65EA-511C-7CC17F1FF668}"/>
               </a:ext>
             </a:extLst>
           </p:cNvPr>
@@ -2507,7 +2507,7 @@
           <p:cNvPr id="3" name="图片占位符 2">
             <a:extLst>
               <a:ext uri="{FF2B5EF4-FFF2-40B4-BE49-F238E27FC236}">
-                <a16:creationId xmlns:a16="http://schemas.microsoft.com/office/drawing/2014/main" id="{3DF95A73-05FE-A524-DD8A-62E80ABA0E4E}"/>
+                <a16:creationId xmlns:a16="http://schemas.microsoft.com/office/drawing/2014/main" id="{45275D91-7849-C6B1-D1B3-834181AB04D8}"/>
               </a:ext>
             </a:extLst>
           </p:cNvPr>
@@ -2574,7 +2574,7 @@
           <p:cNvPr id="4" name="文本占位符 3">
             <a:extLst>
               <a:ext uri="{FF2B5EF4-FFF2-40B4-BE49-F238E27FC236}">
-                <a16:creationId xmlns:a16="http://schemas.microsoft.com/office/drawing/2014/main" id="{FAED3F23-3DF7-6E1D-E55A-3C15A4BB1BE9}"/>
+                <a16:creationId xmlns:a16="http://schemas.microsoft.com/office/drawing/2014/main" id="{68E6C0DA-C299-4F1D-22B5-D6B8106E9863}"/>
               </a:ext>
             </a:extLst>
           </p:cNvPr>
@@ -2645,7 +2645,7 @@
           <p:cNvPr id="5" name="日期占位符 4">
             <a:extLst>
               <a:ext uri="{FF2B5EF4-FFF2-40B4-BE49-F238E27FC236}">
-                <a16:creationId xmlns:a16="http://schemas.microsoft.com/office/drawing/2014/main" id="{2536BBA0-6F5A-8089-B255-BD5E5F596549}"/>
+                <a16:creationId xmlns:a16="http://schemas.microsoft.com/office/drawing/2014/main" id="{535603B6-1224-59AA-73EA-1C60F0FA9247}"/>
               </a:ext>
             </a:extLst>
           </p:cNvPr>
@@ -2661,7 +2661,7 @@
           <a:bodyPr/>
           <a:lstStyle/>
           <a:p>
-            <a:fld id="{0F667C32-8721-4A02-B607-54760A80A51A}" type="datetimeFigureOut">
+            <a:fld id="{DB1229E9-2C91-493B-BB33-A2C91C01FF3C}" type="datetimeFigureOut">
               <a:rPr lang="zh-CN" altLang="en-US" smtClean="0"/>
               <a:t>2024/3/10</a:t>
             </a:fld>
@@ -2674,7 +2674,7 @@
           <p:cNvPr id="6" name="页脚占位符 5">
             <a:extLst>
               <a:ext uri="{FF2B5EF4-FFF2-40B4-BE49-F238E27FC236}">
-                <a16:creationId xmlns:a16="http://schemas.microsoft.com/office/drawing/2014/main" id="{EFE5CAEC-352D-75D4-8287-DB8476525594}"/>
+                <a16:creationId xmlns:a16="http://schemas.microsoft.com/office/drawing/2014/main" id="{C6D33506-7851-99CC-97FD-B450B777B74D}"/>
               </a:ext>
             </a:extLst>
           </p:cNvPr>
@@ -2699,7 +2699,7 @@
           <p:cNvPr id="7" name="灯片编号占位符 6">
             <a:extLst>
               <a:ext uri="{FF2B5EF4-FFF2-40B4-BE49-F238E27FC236}">
-                <a16:creationId xmlns:a16="http://schemas.microsoft.com/office/drawing/2014/main" id="{25F61EE0-AF1D-9921-8BAC-839BFEE18CFB}"/>
+                <a16:creationId xmlns:a16="http://schemas.microsoft.com/office/drawing/2014/main" id="{85AAA613-8FFF-983F-C807-B64A7D0470D4}"/>
               </a:ext>
             </a:extLst>
           </p:cNvPr>
@@ -2715,7 +2715,7 @@
           <a:bodyPr/>
           <a:lstStyle/>
           <a:p>
-            <a:fld id="{239EF96F-FBAC-47B8-96F7-36E86ED5D073}" type="slidenum">
+            <a:fld id="{B00CFF53-63A1-4740-8DD5-3E33896B41B9}" type="slidenum">
               <a:rPr lang="zh-CN" altLang="en-US" smtClean="0"/>
               <a:t>‹#›</a:t>
             </a:fld>
@@ -2726,7 +2726,7 @@
     </p:spTree>
     <p:extLst>
       <p:ext uri="{BB962C8B-B14F-4D97-AF65-F5344CB8AC3E}">
-        <p14:creationId xmlns:p14="http://schemas.microsoft.com/office/powerpoint/2010/main" val="681311672"/>
+        <p14:creationId xmlns:p14="http://schemas.microsoft.com/office/powerpoint/2010/main" val="2455093193"/>
       </p:ext>
     </p:extLst>
   </p:cSld>
@@ -2763,7 +2763,7 @@
           <p:cNvPr id="2" name="标题占位符 1">
             <a:extLst>
               <a:ext uri="{FF2B5EF4-FFF2-40B4-BE49-F238E27FC236}">
-                <a16:creationId xmlns:a16="http://schemas.microsoft.com/office/drawing/2014/main" id="{44B1A12D-D36F-91F5-DA5F-46046034B578}"/>
+                <a16:creationId xmlns:a16="http://schemas.microsoft.com/office/drawing/2014/main" id="{56CEF989-7B67-88AE-3A7A-A5648150340C}"/>
               </a:ext>
             </a:extLst>
           </p:cNvPr>
@@ -2801,7 +2801,7 @@
           <p:cNvPr id="3" name="文本占位符 2">
             <a:extLst>
               <a:ext uri="{FF2B5EF4-FFF2-40B4-BE49-F238E27FC236}">
-                <a16:creationId xmlns:a16="http://schemas.microsoft.com/office/drawing/2014/main" id="{22BCD238-4BBC-15C4-3165-4D9064BFCEF9}"/>
+                <a16:creationId xmlns:a16="http://schemas.microsoft.com/office/drawing/2014/main" id="{0D2A7CB1-2A5C-0879-4FEC-8405D1B615AE}"/>
               </a:ext>
             </a:extLst>
           </p:cNvPr>
@@ -2868,7 +2868,7 @@
           <p:cNvPr id="4" name="日期占位符 3">
             <a:extLst>
               <a:ext uri="{FF2B5EF4-FFF2-40B4-BE49-F238E27FC236}">
-                <a16:creationId xmlns:a16="http://schemas.microsoft.com/office/drawing/2014/main" id="{309B1937-B7EF-61DB-BDF1-4FC29893D4A4}"/>
+                <a16:creationId xmlns:a16="http://schemas.microsoft.com/office/drawing/2014/main" id="{68B3CBD8-D185-CDAC-0935-42248526AFE3}"/>
               </a:ext>
             </a:extLst>
           </p:cNvPr>
@@ -2902,7 +2902,7 @@
             </a:lvl1pPr>
           </a:lstStyle>
           <a:p>
-            <a:fld id="{0F667C32-8721-4A02-B607-54760A80A51A}" type="datetimeFigureOut">
+            <a:fld id="{DB1229E9-2C91-493B-BB33-A2C91C01FF3C}" type="datetimeFigureOut">
               <a:rPr lang="zh-CN" altLang="en-US" smtClean="0"/>
               <a:t>2024/3/10</a:t>
             </a:fld>
@@ -2915,7 +2915,7 @@
           <p:cNvPr id="5" name="页脚占位符 4">
             <a:extLst>
               <a:ext uri="{FF2B5EF4-FFF2-40B4-BE49-F238E27FC236}">
-                <a16:creationId xmlns:a16="http://schemas.microsoft.com/office/drawing/2014/main" id="{8CCDA767-FBD0-EC6C-9A07-A141044C74C4}"/>
+                <a16:creationId xmlns:a16="http://schemas.microsoft.com/office/drawing/2014/main" id="{A9A50DE4-5711-FC36-0BE7-218C2DB24F2F}"/>
               </a:ext>
             </a:extLst>
           </p:cNvPr>
@@ -2958,7 +2958,7 @@
           <p:cNvPr id="6" name="灯片编号占位符 5">
             <a:extLst>
               <a:ext uri="{FF2B5EF4-FFF2-40B4-BE49-F238E27FC236}">
-                <a16:creationId xmlns:a16="http://schemas.microsoft.com/office/drawing/2014/main" id="{DB51E321-9A10-6B9D-22EE-C709E5211B49}"/>
+                <a16:creationId xmlns:a16="http://schemas.microsoft.com/office/drawing/2014/main" id="{A9773029-E24E-E90F-9E2C-CAFE3A684687}"/>
               </a:ext>
             </a:extLst>
           </p:cNvPr>
@@ -2992,7 +2992,7 @@
             </a:lvl1pPr>
           </a:lstStyle>
           <a:p>
-            <a:fld id="{239EF96F-FBAC-47B8-96F7-36E86ED5D073}" type="slidenum">
+            <a:fld id="{B00CFF53-63A1-4740-8DD5-3E33896B41B9}" type="slidenum">
               <a:rPr lang="zh-CN" altLang="en-US" smtClean="0"/>
               <a:t>‹#›</a:t>
             </a:fld>
@@ -3003,7 +3003,7 @@
     </p:spTree>
     <p:extLst>
       <p:ext uri="{BB962C8B-B14F-4D97-AF65-F5344CB8AC3E}">
-        <p14:creationId xmlns:p14="http://schemas.microsoft.com/office/powerpoint/2010/main" val="2234953633"/>
+        <p14:creationId xmlns:p14="http://schemas.microsoft.com/office/powerpoint/2010/main" val="3404813541"/>
       </p:ext>
     </p:extLst>
   </p:cSld>
